--- a/TrollingPresentation01.pptx
+++ b/TrollingPresentation01.pptx
@@ -113,6 +113,11 @@
       </a:defRPr>
     </a:lvl9pPr>
   </p:defaultTextStyle>
+  <p:extLst>
+    <p:ext uri="{EFAFB233-063F-42B5-8137-9DF3F51BA10A}">
+      <p15:sldGuideLst xmlns:p15="http://schemas.microsoft.com/office/powerpoint/2012/main"/>
+    </p:ext>
+  </p:extLst>
 </p:presentation>
 </file>
 
@@ -302,7 +307,7 @@
           <a:p>
             <a:fld id="{8F9BA727-EF7B-4B6B-BD00-C1900F82E864}" type="datetimeFigureOut">
               <a:rPr lang="en-US" smtClean="0"/>
-              <a:t>11-Oct-15</a:t>
+              <a:t>14-Oct-15</a:t>
             </a:fld>
             <a:endParaRPr lang="en-US"/>
           </a:p>
@@ -577,7 +582,7 @@
           <a:p>
             <a:fld id="{8F9BA727-EF7B-4B6B-BD00-C1900F82E864}" type="datetimeFigureOut">
               <a:rPr lang="en-US" smtClean="0"/>
-              <a:t>11-Oct-15</a:t>
+              <a:t>14-Oct-15</a:t>
             </a:fld>
             <a:endParaRPr lang="en-US"/>
           </a:p>
@@ -771,7 +776,7 @@
           <a:p>
             <a:fld id="{8F9BA727-EF7B-4B6B-BD00-C1900F82E864}" type="datetimeFigureOut">
               <a:rPr lang="en-US" smtClean="0"/>
-              <a:t>11-Oct-15</a:t>
+              <a:t>14-Oct-15</a:t>
             </a:fld>
             <a:endParaRPr lang="en-US"/>
           </a:p>
@@ -1044,7 +1049,7 @@
           <a:p>
             <a:fld id="{8F9BA727-EF7B-4B6B-BD00-C1900F82E864}" type="datetimeFigureOut">
               <a:rPr lang="en-US" smtClean="0"/>
-              <a:t>11-Oct-15</a:t>
+              <a:t>14-Oct-15</a:t>
             </a:fld>
             <a:endParaRPr lang="en-US"/>
           </a:p>
@@ -1385,7 +1390,7 @@
           <a:p>
             <a:fld id="{8F9BA727-EF7B-4B6B-BD00-C1900F82E864}" type="datetimeFigureOut">
               <a:rPr lang="en-US" smtClean="0"/>
-              <a:t>11-Oct-15</a:t>
+              <a:t>14-Oct-15</a:t>
             </a:fld>
             <a:endParaRPr lang="en-US"/>
           </a:p>
@@ -2008,7 +2013,7 @@
           <a:p>
             <a:fld id="{8F9BA727-EF7B-4B6B-BD00-C1900F82E864}" type="datetimeFigureOut">
               <a:rPr lang="en-US" smtClean="0"/>
-              <a:t>11-Oct-15</a:t>
+              <a:t>14-Oct-15</a:t>
             </a:fld>
             <a:endParaRPr lang="en-US"/>
           </a:p>
@@ -2868,7 +2873,7 @@
           <a:p>
             <a:fld id="{8F9BA727-EF7B-4B6B-BD00-C1900F82E864}" type="datetimeFigureOut">
               <a:rPr lang="en-US" smtClean="0"/>
-              <a:t>11-Oct-15</a:t>
+              <a:t>14-Oct-15</a:t>
             </a:fld>
             <a:endParaRPr lang="en-US"/>
           </a:p>
@@ -3038,7 +3043,7 @@
           <a:p>
             <a:fld id="{8F9BA727-EF7B-4B6B-BD00-C1900F82E864}" type="datetimeFigureOut">
               <a:rPr lang="en-US" smtClean="0"/>
-              <a:t>11-Oct-15</a:t>
+              <a:t>14-Oct-15</a:t>
             </a:fld>
             <a:endParaRPr lang="en-US"/>
           </a:p>
@@ -3218,7 +3223,7 @@
           <a:p>
             <a:fld id="{8F9BA727-EF7B-4B6B-BD00-C1900F82E864}" type="datetimeFigureOut">
               <a:rPr lang="en-US" smtClean="0"/>
-              <a:t>11-Oct-15</a:t>
+              <a:t>14-Oct-15</a:t>
             </a:fld>
             <a:endParaRPr lang="en-US"/>
           </a:p>
@@ -3388,7 +3393,7 @@
           <a:p>
             <a:fld id="{8F9BA727-EF7B-4B6B-BD00-C1900F82E864}" type="datetimeFigureOut">
               <a:rPr lang="en-US" smtClean="0"/>
-              <a:t>11-Oct-15</a:t>
+              <a:t>14-Oct-15</a:t>
             </a:fld>
             <a:endParaRPr lang="en-US"/>
           </a:p>
@@ -3635,7 +3640,7 @@
           <a:p>
             <a:fld id="{8F9BA727-EF7B-4B6B-BD00-C1900F82E864}" type="datetimeFigureOut">
               <a:rPr lang="en-US" smtClean="0"/>
-              <a:t>11-Oct-15</a:t>
+              <a:t>14-Oct-15</a:t>
             </a:fld>
             <a:endParaRPr lang="en-US"/>
           </a:p>
@@ -3927,7 +3932,7 @@
           <a:p>
             <a:fld id="{8F9BA727-EF7B-4B6B-BD00-C1900F82E864}" type="datetimeFigureOut">
               <a:rPr lang="en-US" smtClean="0"/>
-              <a:t>11-Oct-15</a:t>
+              <a:t>14-Oct-15</a:t>
             </a:fld>
             <a:endParaRPr lang="en-US"/>
           </a:p>
@@ -4371,7 +4376,7 @@
           <a:p>
             <a:fld id="{8F9BA727-EF7B-4B6B-BD00-C1900F82E864}" type="datetimeFigureOut">
               <a:rPr lang="en-US" smtClean="0"/>
-              <a:t>11-Oct-15</a:t>
+              <a:t>14-Oct-15</a:t>
             </a:fld>
             <a:endParaRPr lang="en-US"/>
           </a:p>
@@ -4489,7 +4494,7 @@
           <a:p>
             <a:fld id="{8F9BA727-EF7B-4B6B-BD00-C1900F82E864}" type="datetimeFigureOut">
               <a:rPr lang="en-US" smtClean="0"/>
-              <a:t>11-Oct-15</a:t>
+              <a:t>14-Oct-15</a:t>
             </a:fld>
             <a:endParaRPr lang="en-US"/>
           </a:p>
@@ -4584,7 +4589,7 @@
           <a:p>
             <a:fld id="{8F9BA727-EF7B-4B6B-BD00-C1900F82E864}" type="datetimeFigureOut">
               <a:rPr lang="en-US" smtClean="0"/>
-              <a:t>11-Oct-15</a:t>
+              <a:t>14-Oct-15</a:t>
             </a:fld>
             <a:endParaRPr lang="en-US"/>
           </a:p>
@@ -4863,7 +4868,7 @@
           <a:p>
             <a:fld id="{8F9BA727-EF7B-4B6B-BD00-C1900F82E864}" type="datetimeFigureOut">
               <a:rPr lang="en-US" smtClean="0"/>
-              <a:t>11-Oct-15</a:t>
+              <a:t>14-Oct-15</a:t>
             </a:fld>
             <a:endParaRPr lang="en-US"/>
           </a:p>
@@ -5138,7 +5143,7 @@
           <a:p>
             <a:fld id="{8F9BA727-EF7B-4B6B-BD00-C1900F82E864}" type="datetimeFigureOut">
               <a:rPr lang="en-US" smtClean="0"/>
-              <a:t>11-Oct-15</a:t>
+              <a:t>14-Oct-15</a:t>
             </a:fld>
             <a:endParaRPr lang="en-US"/>
           </a:p>
@@ -5567,7 +5572,7 @@
           <a:p>
             <a:fld id="{8F9BA727-EF7B-4B6B-BD00-C1900F82E864}" type="datetimeFigureOut">
               <a:rPr lang="en-US" smtClean="0"/>
-              <a:t>11-Oct-15</a:t>
+              <a:t>14-Oct-15</a:t>
             </a:fld>
             <a:endParaRPr lang="en-US"/>
           </a:p>
@@ -6751,8 +6756,16 @@
           </a:p>
           <a:p>
             <a:r>
+              <a:rPr lang="en-US" dirty="0" err="1" smtClean="0"/>
+              <a:t>Juma</a:t>
+            </a:r>
+            <a:r>
+              <a:rPr lang="en-US" smtClean="0"/>
+              <a:t> – </a:t>
+            </a:r>
+            <a:r>
               <a:rPr lang="en-US" dirty="0" smtClean="0"/>
-              <a:t>Troll – main character</a:t>
+              <a:t>main character</a:t>
             </a:r>
           </a:p>
           <a:p>
@@ -6778,6 +6791,36 @@
           </a:p>
         </p:txBody>
       </p:sp>
+      <p:pic>
+        <p:nvPicPr>
+          <p:cNvPr id="4" name="Picture 3"/>
+          <p:cNvPicPr>
+            <a:picLocks noChangeAspect="1"/>
+          </p:cNvPicPr>
+          <p:nvPr/>
+        </p:nvPicPr>
+        <p:blipFill>
+          <a:blip r:embed="rId2">
+            <a:extLst>
+              <a:ext uri="{28A0092B-C50C-407E-A947-70E740481C1C}">
+                <a14:useLocalDpi xmlns:a14="http://schemas.microsoft.com/office/drawing/2010/main" val="0"/>
+              </a:ext>
+            </a:extLst>
+          </a:blip>
+          <a:stretch>
+            <a:fillRect/>
+          </a:stretch>
+        </p:blipFill>
+        <p:spPr>
+          <a:xfrm>
+            <a:off x="5876544" y="517882"/>
+            <a:ext cx="4383024" cy="5976851"/>
+          </a:xfrm>
+          <a:prstGeom prst="rect">
+            <a:avLst/>
+          </a:prstGeom>
+        </p:spPr>
+      </p:pic>
     </p:spTree>
     <p:extLst>
       <p:ext uri="{BB962C8B-B14F-4D97-AF65-F5344CB8AC3E}">
